--- a/materials/slides/3.4 面向技术的测试评价产品（第四象限）.pptx
+++ b/materials/slides/3.4 面向技术的测试评价产品（第四象限）.pptx
@@ -210,7 +210,7 @@
           <a:p>
             <a:fld id="{EC82124A-F363-4BD3-8BA5-C8EDB8A4673E}" type="datetimeFigureOut">
               <a:rPr lang="zh-CN" altLang="en-US" smtClean="0"/>
-              <a:t>2018/10/10</a:t>
+              <a:t>2019/10/12</a:t>
             </a:fld>
             <a:endParaRPr lang="zh-CN" altLang="en-US"/>
           </a:p>
@@ -613,7 +613,7 @@
           <a:p>
             <a:fld id="{C04CF4A6-17F9-4CD5-BCB8-44B65F331829}" type="datetimeFigureOut">
               <a:rPr lang="zh-CN" altLang="en-US" smtClean="0"/>
-              <a:t>2018/10/10</a:t>
+              <a:t>2019/10/12</a:t>
             </a:fld>
             <a:endParaRPr lang="zh-CN" altLang="en-US"/>
           </a:p>
@@ -905,7 +905,7 @@
           <a:p>
             <a:fld id="{C04CF4A6-17F9-4CD5-BCB8-44B65F331829}" type="datetimeFigureOut">
               <a:rPr lang="zh-CN" altLang="en-US" smtClean="0"/>
-              <a:t>2018/10/10</a:t>
+              <a:t>2019/10/12</a:t>
             </a:fld>
             <a:endParaRPr lang="zh-CN" altLang="en-US"/>
           </a:p>
@@ -1075,7 +1075,7 @@
           <a:p>
             <a:fld id="{C04CF4A6-17F9-4CD5-BCB8-44B65F331829}" type="datetimeFigureOut">
               <a:rPr lang="zh-CN" altLang="en-US" smtClean="0"/>
-              <a:t>2018/10/10</a:t>
+              <a:t>2019/10/12</a:t>
             </a:fld>
             <a:endParaRPr lang="zh-CN" altLang="en-US"/>
           </a:p>
@@ -1255,7 +1255,7 @@
           <a:p>
             <a:fld id="{C04CF4A6-17F9-4CD5-BCB8-44B65F331829}" type="datetimeFigureOut">
               <a:rPr lang="zh-CN" altLang="en-US" smtClean="0"/>
-              <a:t>2018/10/10</a:t>
+              <a:t>2019/10/12</a:t>
             </a:fld>
             <a:endParaRPr lang="zh-CN" altLang="en-US"/>
           </a:p>
@@ -1479,7 +1479,7 @@
           <a:p>
             <a:fld id="{C04CF4A6-17F9-4CD5-BCB8-44B65F331829}" type="datetimeFigureOut">
               <a:rPr lang="zh-CN" altLang="en-US" smtClean="0"/>
-              <a:t>2018/10/10</a:t>
+              <a:t>2019/10/12</a:t>
             </a:fld>
             <a:endParaRPr lang="zh-CN" altLang="en-US"/>
           </a:p>
@@ -1776,7 +1776,7 @@
           <a:p>
             <a:fld id="{C04CF4A6-17F9-4CD5-BCB8-44B65F331829}" type="datetimeFigureOut">
               <a:rPr lang="zh-CN" altLang="en-US" smtClean="0"/>
-              <a:t>2018/10/10</a:t>
+              <a:t>2019/10/12</a:t>
             </a:fld>
             <a:endParaRPr lang="zh-CN" altLang="en-US"/>
           </a:p>
@@ -2095,7 +2095,7 @@
           <a:p>
             <a:fld id="{C04CF4A6-17F9-4CD5-BCB8-44B65F331829}" type="datetimeFigureOut">
               <a:rPr lang="zh-CN" altLang="en-US" smtClean="0"/>
-              <a:t>2018/10/10</a:t>
+              <a:t>2019/10/12</a:t>
             </a:fld>
             <a:endParaRPr lang="zh-CN" altLang="en-US"/>
           </a:p>
@@ -2327,7 +2327,7 @@
           <a:p>
             <a:fld id="{C04CF4A6-17F9-4CD5-BCB8-44B65F331829}" type="datetimeFigureOut">
               <a:rPr lang="zh-CN" altLang="en-US" smtClean="0"/>
-              <a:t>2018/10/10</a:t>
+              <a:t>2019/10/12</a:t>
             </a:fld>
             <a:endParaRPr lang="zh-CN" altLang="en-US"/>
           </a:p>
@@ -2694,7 +2694,7 @@
           <a:p>
             <a:fld id="{C04CF4A6-17F9-4CD5-BCB8-44B65F331829}" type="datetimeFigureOut">
               <a:rPr lang="zh-CN" altLang="en-US" smtClean="0"/>
-              <a:t>2018/10/10</a:t>
+              <a:t>2019/10/12</a:t>
             </a:fld>
             <a:endParaRPr lang="zh-CN" altLang="en-US"/>
           </a:p>
@@ -2812,7 +2812,7 @@
           <a:p>
             <a:fld id="{C04CF4A6-17F9-4CD5-BCB8-44B65F331829}" type="datetimeFigureOut">
               <a:rPr lang="zh-CN" altLang="en-US" smtClean="0"/>
-              <a:t>2018/10/10</a:t>
+              <a:t>2019/10/12</a:t>
             </a:fld>
             <a:endParaRPr lang="zh-CN" altLang="en-US"/>
           </a:p>
@@ -2907,7 +2907,7 @@
           <a:p>
             <a:fld id="{C04CF4A6-17F9-4CD5-BCB8-44B65F331829}" type="datetimeFigureOut">
               <a:rPr lang="zh-CN" altLang="en-US" smtClean="0"/>
-              <a:t>2018/10/10</a:t>
+              <a:t>2019/10/12</a:t>
             </a:fld>
             <a:endParaRPr lang="zh-CN" altLang="en-US"/>
           </a:p>
@@ -3184,7 +3184,7 @@
           <a:p>
             <a:fld id="{C04CF4A6-17F9-4CD5-BCB8-44B65F331829}" type="datetimeFigureOut">
               <a:rPr lang="zh-CN" altLang="en-US" smtClean="0"/>
-              <a:t>2018/10/10</a:t>
+              <a:t>2019/10/12</a:t>
             </a:fld>
             <a:endParaRPr lang="zh-CN" altLang="en-US"/>
           </a:p>
@@ -3397,7 +3397,7 @@
           <a:p>
             <a:fld id="{C04CF4A6-17F9-4CD5-BCB8-44B65F331829}" type="datetimeFigureOut">
               <a:rPr lang="zh-CN" altLang="en-US" smtClean="0"/>
-              <a:t>2018/10/10</a:t>
+              <a:t>2019/10/12</a:t>
             </a:fld>
             <a:endParaRPr lang="zh-CN" altLang="en-US"/>
           </a:p>
@@ -3866,8 +3866,8 @@
           <a:p>
             <a:pPr algn="r"/>
             <a:r>
-              <a:rPr lang="en-US" altLang="zh-CN" dirty="0" smtClean="0"/>
-              <a:t>2</a:t>
+              <a:rPr lang="en-US" altLang="zh-CN" dirty="0"/>
+              <a:t>3</a:t>
             </a:r>
             <a:r>
               <a:rPr lang="en-US" altLang="zh-CN" sz="3600" dirty="0" smtClean="0"/>
@@ -5424,7 +5424,19 @@
             <a:pPr lvl="1"/>
             <a:r>
               <a:rPr lang="zh-CN" altLang="en-US" dirty="0" smtClean="0"/>
-              <a:t>配置、安全、性能、内存管理、可靠性、交互性以及伸缩性、恢复、数据转换等</a:t>
+              <a:t>配置、安全、性能、内存管理、可靠性、交互</a:t>
+            </a:r>
+            <a:r>
+              <a:rPr lang="zh-CN" altLang="en-US" smtClean="0"/>
+              <a:t>性</a:t>
+            </a:r>
+            <a:r>
+              <a:rPr lang="zh-CN" altLang="en-US" smtClean="0"/>
+              <a:t>、可伸缩性、恢复</a:t>
+            </a:r>
+            <a:r>
+              <a:rPr lang="zh-CN" altLang="en-US" dirty="0" smtClean="0"/>
+              <a:t>、数据转换等</a:t>
             </a:r>
             <a:endParaRPr lang="en-US" altLang="zh-CN" dirty="0" smtClean="0"/>
           </a:p>
@@ -5645,19 +5657,7 @@
             </a:r>
             <a:r>
               <a:rPr lang="zh-CN" altLang="en-US" dirty="0" smtClean="0"/>
-              <a:t>个或多</a:t>
-            </a:r>
-            <a:r>
-              <a:rPr lang="zh-CN" altLang="en-US" smtClean="0"/>
-              <a:t>个</a:t>
-            </a:r>
-            <a:r>
-              <a:rPr lang="zh-CN" altLang="en-US" smtClean="0"/>
-              <a:t>通信之间</a:t>
-            </a:r>
-            <a:r>
-              <a:rPr lang="zh-CN" altLang="en-US" dirty="0" smtClean="0"/>
-              <a:t>端到端的功能</a:t>
+              <a:t>个或多个通信之间端到端的功能</a:t>
             </a:r>
             <a:endParaRPr lang="zh-CN" altLang="en-US" dirty="0"/>
           </a:p>
